--- a/Homework1/Homework1.pptx
+++ b/Homework1/Homework1.pptx
@@ -246,7 +246,7 @@
           <a:p>
             <a:fld id="{FC9C7A7E-9BD5-4BEF-87CC-568EB7196385}" type="datetimeFigureOut">
               <a:rPr lang="zh-TW" altLang="en-US" smtClean="0"/>
-              <a:t>2016/3/10</a:t>
+              <a:t>2016/3/11</a:t>
             </a:fld>
             <a:endParaRPr lang="zh-TW" altLang="en-US"/>
           </a:p>
@@ -1132,7 +1132,7 @@
           <a:p>
             <a:fld id="{FC9C7A7E-9BD5-4BEF-87CC-568EB7196385}" type="datetimeFigureOut">
               <a:rPr lang="zh-TW" altLang="en-US" smtClean="0"/>
-              <a:t>2016/3/10</a:t>
+              <a:t>2016/3/11</a:t>
             </a:fld>
             <a:endParaRPr lang="zh-TW" altLang="en-US"/>
           </a:p>
@@ -1384,7 +1384,7 @@
           <a:p>
             <a:fld id="{FC9C7A7E-9BD5-4BEF-87CC-568EB7196385}" type="datetimeFigureOut">
               <a:rPr lang="zh-TW" altLang="en-US" smtClean="0"/>
-              <a:t>2016/3/10</a:t>
+              <a:t>2016/3/11</a:t>
             </a:fld>
             <a:endParaRPr lang="zh-TW" altLang="en-US"/>
           </a:p>
@@ -2006,11 +2006,7 @@
           <a:p>
             <a:r>
               <a:rPr lang="en-US" altLang="zh-TW" dirty="0" smtClean="0"/>
-              <a:t>[ CS263 ] </a:t>
-            </a:r>
-            <a:r>
-              <a:rPr lang="en-US" altLang="zh-TW" dirty="0" smtClean="0"/>
-              <a:t>2016-03-08</a:t>
+              <a:t>[ CS263 ] 2016-03-08</a:t>
             </a:r>
             <a:br>
               <a:rPr lang="en-US" altLang="zh-TW" dirty="0" smtClean="0"/>
@@ -2768,7 +2764,7 @@
       </p:sp>
       <p:pic>
         <p:nvPicPr>
-          <p:cNvPr id="1026" name="Picture 2"/>
+          <p:cNvPr id="4" name="Picture 2"/>
           <p:cNvPicPr>
             <a:picLocks noChangeAspect="1" noChangeArrowheads="1"/>
           </p:cNvPicPr>
@@ -2789,8 +2785,8 @@
         </p:blipFill>
         <p:spPr bwMode="auto">
           <a:xfrm>
-            <a:off x="1098776" y="3284984"/>
-            <a:ext cx="3505200" cy="3400425"/>
+            <a:off x="1259632" y="3447489"/>
+            <a:ext cx="3133725" cy="2362200"/>
           </a:xfrm>
           <a:prstGeom prst="rect">
             <a:avLst/>
@@ -2822,7 +2818,7 @@
       </p:pic>
       <p:pic>
         <p:nvPicPr>
-          <p:cNvPr id="1027" name="Picture 3"/>
+          <p:cNvPr id="5" name="Picture 3"/>
           <p:cNvPicPr>
             <a:picLocks noChangeAspect="1" noChangeArrowheads="1"/>
           </p:cNvPicPr>
@@ -2836,14 +2832,15 @@
               </a:ext>
             </a:extLst>
           </a:blip>
+          <a:srcRect/>
           <a:stretch>
             <a:fillRect/>
           </a:stretch>
         </p:blipFill>
         <p:spPr bwMode="auto">
           <a:xfrm>
-            <a:off x="4932040" y="3284984"/>
-            <a:ext cx="2657475" cy="1771650"/>
+            <a:off x="5004048" y="3447489"/>
+            <a:ext cx="2381250" cy="1352550"/>
           </a:xfrm>
           <a:prstGeom prst="rect">
             <a:avLst/>
